--- a/presentations/PyData Atlanta Feb 2017.pptx
+++ b/presentations/PyData Atlanta Feb 2017.pptx
@@ -5,7 +5,7 @@
     <p:sldMasterId id="2147483660" r:id="rId1"/>
   </p:sldMasterIdLst>
   <p:notesMasterIdLst>
-    <p:notesMasterId r:id="rId7"/>
+    <p:notesMasterId r:id="rId8"/>
   </p:notesMasterIdLst>
   <p:sldIdLst>
     <p:sldId id="256" r:id="rId2"/>
@@ -13,6 +13,7 @@
     <p:sldId id="258" r:id="rId4"/>
     <p:sldId id="259" r:id="rId5"/>
     <p:sldId id="260" r:id="rId6"/>
+    <p:sldId id="261" r:id="rId7"/>
   </p:sldIdLst>
   <p:sldSz cx="12192000" cy="6858000"/>
   <p:notesSz cx="6858000" cy="9144000"/>
@@ -111,6 +112,11 @@
       </a:defRPr>
     </a:lvl9pPr>
   </p:defaultTextStyle>
+  <p:extLst>
+    <p:ext uri="{EFAFB233-063F-42B5-8137-9DF3F51BA10A}">
+      <p15:sldGuideLst xmlns:p15="http://schemas.microsoft.com/office/powerpoint/2012/main"/>
+    </p:ext>
+  </p:extLst>
 </p:presentation>
 </file>
 
@@ -1040,14 +1046,35 @@
         </dgm:presLayoutVars>
       </dgm:prSet>
       <dgm:spPr/>
+      <dgm:t>
+        <a:bodyPr/>
+        <a:lstStyle/>
+        <a:p>
+          <a:endParaRPr lang="en-US"/>
+        </a:p>
+      </dgm:t>
     </dgm:pt>
     <dgm:pt modelId="{6B1E6AD3-A616-4285-BC62-F234FBDA045A}" type="pres">
       <dgm:prSet presAssocID="{F9DE508C-E303-47D1-B751-7402D1A92B04}" presName="sibTrans" presStyleLbl="sibTrans2D1" presStyleIdx="0" presStyleCnt="3"/>
       <dgm:spPr/>
+      <dgm:t>
+        <a:bodyPr/>
+        <a:lstStyle/>
+        <a:p>
+          <a:endParaRPr lang="en-US"/>
+        </a:p>
+      </dgm:t>
     </dgm:pt>
     <dgm:pt modelId="{A09286C2-92E3-4FEF-B155-6D1C6C4058EB}" type="pres">
       <dgm:prSet presAssocID="{F9DE508C-E303-47D1-B751-7402D1A92B04}" presName="connectorText" presStyleLbl="sibTrans2D1" presStyleIdx="0" presStyleCnt="3"/>
       <dgm:spPr/>
+      <dgm:t>
+        <a:bodyPr/>
+        <a:lstStyle/>
+        <a:p>
+          <a:endParaRPr lang="en-US"/>
+        </a:p>
+      </dgm:t>
     </dgm:pt>
     <dgm:pt modelId="{4AC3470A-1B3E-4FA1-B4E3-6D6462C6B244}" type="pres">
       <dgm:prSet presAssocID="{52A1BBD4-3F4A-436D-ACB2-5CFD001535EC}" presName="node" presStyleLbl="node1" presStyleIdx="1" presStyleCnt="4">
@@ -1067,10 +1094,24 @@
     <dgm:pt modelId="{7A521525-C965-49CF-8A05-B42B72992CC6}" type="pres">
       <dgm:prSet presAssocID="{78A0F38A-D99F-4387-9E3C-5503D5209D10}" presName="sibTrans" presStyleLbl="sibTrans2D1" presStyleIdx="1" presStyleCnt="3"/>
       <dgm:spPr/>
+      <dgm:t>
+        <a:bodyPr/>
+        <a:lstStyle/>
+        <a:p>
+          <a:endParaRPr lang="en-US"/>
+        </a:p>
+      </dgm:t>
     </dgm:pt>
     <dgm:pt modelId="{8C87C092-D398-4F6A-AB9A-21A69960CEB1}" type="pres">
       <dgm:prSet presAssocID="{78A0F38A-D99F-4387-9E3C-5503D5209D10}" presName="connectorText" presStyleLbl="sibTrans2D1" presStyleIdx="1" presStyleCnt="3"/>
       <dgm:spPr/>
+      <dgm:t>
+        <a:bodyPr/>
+        <a:lstStyle/>
+        <a:p>
+          <a:endParaRPr lang="en-US"/>
+        </a:p>
+      </dgm:t>
     </dgm:pt>
     <dgm:pt modelId="{52138C04-E684-4AA9-8546-42F3C0A5EB3C}" type="pres">
       <dgm:prSet presAssocID="{19FB7C51-3B51-414F-B031-FF4EE2B31430}" presName="node" presStyleLbl="node1" presStyleIdx="2" presStyleCnt="4">
@@ -1090,10 +1131,24 @@
     <dgm:pt modelId="{F371D46F-0B29-4D6E-958A-CBA965714D9B}" type="pres">
       <dgm:prSet presAssocID="{A27727A4-9011-4B63-B39B-2DFDDABA6787}" presName="sibTrans" presStyleLbl="sibTrans2D1" presStyleIdx="2" presStyleCnt="3"/>
       <dgm:spPr/>
+      <dgm:t>
+        <a:bodyPr/>
+        <a:lstStyle/>
+        <a:p>
+          <a:endParaRPr lang="en-US"/>
+        </a:p>
+      </dgm:t>
     </dgm:pt>
     <dgm:pt modelId="{15A6EE5E-56B6-4BEE-A12A-BEAE1764E455}" type="pres">
       <dgm:prSet presAssocID="{A27727A4-9011-4B63-B39B-2DFDDABA6787}" presName="connectorText" presStyleLbl="sibTrans2D1" presStyleIdx="2" presStyleCnt="3"/>
       <dgm:spPr/>
+      <dgm:t>
+        <a:bodyPr/>
+        <a:lstStyle/>
+        <a:p>
+          <a:endParaRPr lang="en-US"/>
+        </a:p>
+      </dgm:t>
     </dgm:pt>
     <dgm:pt modelId="{4955FD63-F653-41E5-901C-48ED8B156F9D}" type="pres">
       <dgm:prSet presAssocID="{18A920C4-913B-42F5-8214-E6753FA2D81D}" presName="node" presStyleLbl="node1" presStyleIdx="3" presStyleCnt="4">
@@ -1113,20 +1168,20 @@
   </dgm:ptLst>
   <dgm:cxnLst>
     <dgm:cxn modelId="{ADEA5A4A-3A50-4D6B-989C-39A0EC594354}" srcId="{9E9F2554-4618-4335-A28C-C78CEDD59D23}" destId="{18A920C4-913B-42F5-8214-E6753FA2D81D}" srcOrd="3" destOrd="0" parTransId="{B2A28BAF-39BF-4DCD-A12F-FCFBF09310CD}" sibTransId="{22616741-24C5-42D0-A221-63364BA81634}"/>
+    <dgm:cxn modelId="{E1F8F83F-D8D9-4CCE-819D-3E0093CEC367}" srcId="{9E9F2554-4618-4335-A28C-C78CEDD59D23}" destId="{DA952ADB-07CE-42A9-BA25-BD696212932D}" srcOrd="0" destOrd="0" parTransId="{6A8865A0-BB5C-4F9D-BA78-0137E8F13BAA}" sibTransId="{F9DE508C-E303-47D1-B751-7402D1A92B04}"/>
+    <dgm:cxn modelId="{23206C78-51B1-4E67-AE60-69A83257F7F1}" type="presOf" srcId="{A27727A4-9011-4B63-B39B-2DFDDABA6787}" destId="{15A6EE5E-56B6-4BEE-A12A-BEAE1764E455}" srcOrd="1" destOrd="0" presId="urn:microsoft.com/office/officeart/2005/8/layout/process1"/>
+    <dgm:cxn modelId="{2A8BEB59-3181-4266-B99E-C238987A7903}" type="presOf" srcId="{78A0F38A-D99F-4387-9E3C-5503D5209D10}" destId="{8C87C092-D398-4F6A-AB9A-21A69960CEB1}" srcOrd="1" destOrd="0" presId="urn:microsoft.com/office/officeart/2005/8/layout/process1"/>
+    <dgm:cxn modelId="{C7EBA458-92D0-4441-A4B3-A9E0F2332398}" type="presOf" srcId="{52A1BBD4-3F4A-436D-ACB2-5CFD001535EC}" destId="{4AC3470A-1B3E-4FA1-B4E3-6D6462C6B244}" srcOrd="0" destOrd="0" presId="urn:microsoft.com/office/officeart/2005/8/layout/process1"/>
+    <dgm:cxn modelId="{539BB49E-8431-42A2-B0B5-C59F4DFF2D94}" type="presOf" srcId="{9E9F2554-4618-4335-A28C-C78CEDD59D23}" destId="{9027E023-DE53-48E4-8938-F15777DFDD65}" srcOrd="0" destOrd="0" presId="urn:microsoft.com/office/officeart/2005/8/layout/process1"/>
+    <dgm:cxn modelId="{160AB6A9-6975-4453-AA48-1D05381C20CE}" type="presOf" srcId="{A27727A4-9011-4B63-B39B-2DFDDABA6787}" destId="{F371D46F-0B29-4D6E-958A-CBA965714D9B}" srcOrd="0" destOrd="0" presId="urn:microsoft.com/office/officeart/2005/8/layout/process1"/>
+    <dgm:cxn modelId="{9DBEE596-3561-4C2F-94F0-A1120549F4F6}" srcId="{9E9F2554-4618-4335-A28C-C78CEDD59D23}" destId="{52A1BBD4-3F4A-436D-ACB2-5CFD001535EC}" srcOrd="1" destOrd="0" parTransId="{D2EA32B6-5E98-4E64-B8F9-178782C2CF27}" sibTransId="{78A0F38A-D99F-4387-9E3C-5503D5209D10}"/>
+    <dgm:cxn modelId="{F15D6D9A-8DBF-49E3-A7DF-47574BBC260E}" type="presOf" srcId="{DA952ADB-07CE-42A9-BA25-BD696212932D}" destId="{BF1C13FA-574F-4FD2-BD78-252A958B5D7B}" srcOrd="0" destOrd="0" presId="urn:microsoft.com/office/officeart/2005/8/layout/process1"/>
+    <dgm:cxn modelId="{6107EFD2-4476-40F1-9B43-B6F4AFFF803F}" type="presOf" srcId="{18A920C4-913B-42F5-8214-E6753FA2D81D}" destId="{4955FD63-F653-41E5-901C-48ED8B156F9D}" srcOrd="0" destOrd="0" presId="urn:microsoft.com/office/officeart/2005/8/layout/process1"/>
+    <dgm:cxn modelId="{719BF7C6-5949-406A-BBC2-79115A123206}" type="presOf" srcId="{F9DE508C-E303-47D1-B751-7402D1A92B04}" destId="{A09286C2-92E3-4FEF-B155-6D1C6C4058EB}" srcOrd="1" destOrd="0" presId="urn:microsoft.com/office/officeart/2005/8/layout/process1"/>
+    <dgm:cxn modelId="{082F4FC6-4AA4-4921-84B4-007E85ADA2C6}" type="presOf" srcId="{19FB7C51-3B51-414F-B031-FF4EE2B31430}" destId="{52138C04-E684-4AA9-8546-42F3C0A5EB3C}" srcOrd="0" destOrd="0" presId="urn:microsoft.com/office/officeart/2005/8/layout/process1"/>
+    <dgm:cxn modelId="{5978C797-51E0-4F46-8D3C-D9D287F7A93C}" type="presOf" srcId="{78A0F38A-D99F-4387-9E3C-5503D5209D10}" destId="{7A521525-C965-49CF-8A05-B42B72992CC6}" srcOrd="0" destOrd="0" presId="urn:microsoft.com/office/officeart/2005/8/layout/process1"/>
     <dgm:cxn modelId="{ED2433D9-B04B-4E22-A144-05CB3FA2303D}" type="presOf" srcId="{F9DE508C-E303-47D1-B751-7402D1A92B04}" destId="{6B1E6AD3-A616-4285-BC62-F234FBDA045A}" srcOrd="0" destOrd="0" presId="urn:microsoft.com/office/officeart/2005/8/layout/process1"/>
-    <dgm:cxn modelId="{9DBEE596-3561-4C2F-94F0-A1120549F4F6}" srcId="{9E9F2554-4618-4335-A28C-C78CEDD59D23}" destId="{52A1BBD4-3F4A-436D-ACB2-5CFD001535EC}" srcOrd="1" destOrd="0" parTransId="{D2EA32B6-5E98-4E64-B8F9-178782C2CF27}" sibTransId="{78A0F38A-D99F-4387-9E3C-5503D5209D10}"/>
-    <dgm:cxn modelId="{539BB49E-8431-42A2-B0B5-C59F4DFF2D94}" type="presOf" srcId="{9E9F2554-4618-4335-A28C-C78CEDD59D23}" destId="{9027E023-DE53-48E4-8938-F15777DFDD65}" srcOrd="0" destOrd="0" presId="urn:microsoft.com/office/officeart/2005/8/layout/process1"/>
-    <dgm:cxn modelId="{F15D6D9A-8DBF-49E3-A7DF-47574BBC260E}" type="presOf" srcId="{DA952ADB-07CE-42A9-BA25-BD696212932D}" destId="{BF1C13FA-574F-4FD2-BD78-252A958B5D7B}" srcOrd="0" destOrd="0" presId="urn:microsoft.com/office/officeart/2005/8/layout/process1"/>
-    <dgm:cxn modelId="{719BF7C6-5949-406A-BBC2-79115A123206}" type="presOf" srcId="{F9DE508C-E303-47D1-B751-7402D1A92B04}" destId="{A09286C2-92E3-4FEF-B155-6D1C6C4058EB}" srcOrd="1" destOrd="0" presId="urn:microsoft.com/office/officeart/2005/8/layout/process1"/>
-    <dgm:cxn modelId="{6107EFD2-4476-40F1-9B43-B6F4AFFF803F}" type="presOf" srcId="{18A920C4-913B-42F5-8214-E6753FA2D81D}" destId="{4955FD63-F653-41E5-901C-48ED8B156F9D}" srcOrd="0" destOrd="0" presId="urn:microsoft.com/office/officeart/2005/8/layout/process1"/>
-    <dgm:cxn modelId="{160AB6A9-6975-4453-AA48-1D05381C20CE}" type="presOf" srcId="{A27727A4-9011-4B63-B39B-2DFDDABA6787}" destId="{F371D46F-0B29-4D6E-958A-CBA965714D9B}" srcOrd="0" destOrd="0" presId="urn:microsoft.com/office/officeart/2005/8/layout/process1"/>
     <dgm:cxn modelId="{06A34B11-3C90-4624-A288-8C31BB8E15BF}" srcId="{9E9F2554-4618-4335-A28C-C78CEDD59D23}" destId="{19FB7C51-3B51-414F-B031-FF4EE2B31430}" srcOrd="2" destOrd="0" parTransId="{C67199B0-1C83-4F84-AEFD-585732A2C465}" sibTransId="{A27727A4-9011-4B63-B39B-2DFDDABA6787}"/>
-    <dgm:cxn modelId="{5978C797-51E0-4F46-8D3C-D9D287F7A93C}" type="presOf" srcId="{78A0F38A-D99F-4387-9E3C-5503D5209D10}" destId="{7A521525-C965-49CF-8A05-B42B72992CC6}" srcOrd="0" destOrd="0" presId="urn:microsoft.com/office/officeart/2005/8/layout/process1"/>
-    <dgm:cxn modelId="{E1F8F83F-D8D9-4CCE-819D-3E0093CEC367}" srcId="{9E9F2554-4618-4335-A28C-C78CEDD59D23}" destId="{DA952ADB-07CE-42A9-BA25-BD696212932D}" srcOrd="0" destOrd="0" parTransId="{6A8865A0-BB5C-4F9D-BA78-0137E8F13BAA}" sibTransId="{F9DE508C-E303-47D1-B751-7402D1A92B04}"/>
-    <dgm:cxn modelId="{082F4FC6-4AA4-4921-84B4-007E85ADA2C6}" type="presOf" srcId="{19FB7C51-3B51-414F-B031-FF4EE2B31430}" destId="{52138C04-E684-4AA9-8546-42F3C0A5EB3C}" srcOrd="0" destOrd="0" presId="urn:microsoft.com/office/officeart/2005/8/layout/process1"/>
-    <dgm:cxn modelId="{2A8BEB59-3181-4266-B99E-C238987A7903}" type="presOf" srcId="{78A0F38A-D99F-4387-9E3C-5503D5209D10}" destId="{8C87C092-D398-4F6A-AB9A-21A69960CEB1}" srcOrd="1" destOrd="0" presId="urn:microsoft.com/office/officeart/2005/8/layout/process1"/>
-    <dgm:cxn modelId="{23206C78-51B1-4E67-AE60-69A83257F7F1}" type="presOf" srcId="{A27727A4-9011-4B63-B39B-2DFDDABA6787}" destId="{15A6EE5E-56B6-4BEE-A12A-BEAE1764E455}" srcOrd="1" destOrd="0" presId="urn:microsoft.com/office/officeart/2005/8/layout/process1"/>
-    <dgm:cxn modelId="{C7EBA458-92D0-4441-A4B3-A9E0F2332398}" type="presOf" srcId="{52A1BBD4-3F4A-436D-ACB2-5CFD001535EC}" destId="{4AC3470A-1B3E-4FA1-B4E3-6D6462C6B244}" srcOrd="0" destOrd="0" presId="urn:microsoft.com/office/officeart/2005/8/layout/process1"/>
     <dgm:cxn modelId="{59F31B1B-A624-4D35-8D7E-59375F38E90F}" type="presParOf" srcId="{9027E023-DE53-48E4-8938-F15777DFDD65}" destId="{BF1C13FA-574F-4FD2-BD78-252A958B5D7B}" srcOrd="0" destOrd="0" presId="urn:microsoft.com/office/officeart/2005/8/layout/process1"/>
     <dgm:cxn modelId="{92BC68C4-9F2C-45E3-9840-6AE7421CF1E1}" type="presParOf" srcId="{9027E023-DE53-48E4-8938-F15777DFDD65}" destId="{6B1E6AD3-A616-4285-BC62-F234FBDA045A}" srcOrd="1" destOrd="0" presId="urn:microsoft.com/office/officeart/2005/8/layout/process1"/>
     <dgm:cxn modelId="{2C0FB889-1EFF-4C2B-A437-83F7EF06FDB3}" type="presParOf" srcId="{6B1E6AD3-A616-4285-BC62-F234FBDA045A}" destId="{A09286C2-92E3-4FEF-B155-6D1C6C4058EB}" srcOrd="0" destOrd="0" presId="urn:microsoft.com/office/officeart/2005/8/layout/process1"/>
@@ -3357,7 +3412,6 @@
               <a:rPr lang="en-US" dirty="0" smtClean="0"/>
               <a:t>)</a:t>
             </a:r>
-            <a:endParaRPr lang="en-US" dirty="0" smtClean="0"/>
           </a:p>
         </p:txBody>
       </p:sp>
@@ -6433,7 +6487,6 @@
               <a:rPr lang="en-US" dirty="0"/>
               <a:t>)</a:t>
             </a:r>
-            <a:endParaRPr lang="en-US" dirty="0"/>
           </a:p>
         </p:txBody>
       </p:sp>
@@ -7014,9 +7067,108 @@
   <p:timing>
     <p:tnLst>
       <p:par>
-        <p:cTn id="1" dur="indefinite" restart="never" nodeType="tmRoot"/>
+        <p:cTn id="1" dur="indefinite" restart="never" nodeType="tmRoot">
+          <p:childTnLst>
+            <p:seq concurrent="1" nextAc="seek">
+              <p:cTn id="2" dur="indefinite" nodeType="mainSeq">
+                <p:childTnLst>
+                  <p:par>
+                    <p:cTn id="3" fill="hold">
+                      <p:stCondLst>
+                        <p:cond delay="indefinite"/>
+                      </p:stCondLst>
+                      <p:childTnLst>
+                        <p:par>
+                          <p:cTn id="4" fill="hold">
+                            <p:stCondLst>
+                              <p:cond delay="0"/>
+                            </p:stCondLst>
+                            <p:childTnLst>
+                              <p:par>
+                                <p:cTn id="5" presetID="1" presetClass="entr" presetSubtype="0" fill="hold" grpId="0" nodeType="clickEffect">
+                                  <p:stCondLst>
+                                    <p:cond delay="0"/>
+                                  </p:stCondLst>
+                                  <p:childTnLst>
+                                    <p:set>
+                                      <p:cBhvr>
+                                        <p:cTn id="6" dur="1" fill="hold">
+                                          <p:stCondLst>
+                                            <p:cond delay="0"/>
+                                          </p:stCondLst>
+                                        </p:cTn>
+                                        <p:tgtEl>
+                                          <p:spTgt spid="6"/>
+                                        </p:tgtEl>
+                                        <p:attrNameLst>
+                                          <p:attrName>style.visibility</p:attrName>
+                                        </p:attrNameLst>
+                                      </p:cBhvr>
+                                      <p:to>
+                                        <p:strVal val="visible"/>
+                                      </p:to>
+                                    </p:set>
+                                  </p:childTnLst>
+                                </p:cTn>
+                              </p:par>
+                              <p:par>
+                                <p:cTn id="7" presetID="1" presetClass="entr" presetSubtype="0" fill="hold" grpId="0" nodeType="withEffect">
+                                  <p:stCondLst>
+                                    <p:cond delay="0"/>
+                                  </p:stCondLst>
+                                  <p:childTnLst>
+                                    <p:set>
+                                      <p:cBhvr>
+                                        <p:cTn id="8" dur="1" fill="hold">
+                                          <p:stCondLst>
+                                            <p:cond delay="0"/>
+                                          </p:stCondLst>
+                                        </p:cTn>
+                                        <p:tgtEl>
+                                          <p:spTgt spid="5"/>
+                                        </p:tgtEl>
+                                        <p:attrNameLst>
+                                          <p:attrName>style.visibility</p:attrName>
+                                        </p:attrNameLst>
+                                      </p:cBhvr>
+                                      <p:to>
+                                        <p:strVal val="visible"/>
+                                      </p:to>
+                                    </p:set>
+                                  </p:childTnLst>
+                                </p:cTn>
+                              </p:par>
+                            </p:childTnLst>
+                          </p:cTn>
+                        </p:par>
+                      </p:childTnLst>
+                    </p:cTn>
+                  </p:par>
+                </p:childTnLst>
+              </p:cTn>
+              <p:prevCondLst>
+                <p:cond evt="onPrev" delay="0">
+                  <p:tgtEl>
+                    <p:sldTgt/>
+                  </p:tgtEl>
+                </p:cond>
+              </p:prevCondLst>
+              <p:nextCondLst>
+                <p:cond evt="onNext" delay="0">
+                  <p:tgtEl>
+                    <p:sldTgt/>
+                  </p:tgtEl>
+                </p:cond>
+              </p:nextCondLst>
+            </p:seq>
+          </p:childTnLst>
+        </p:cTn>
       </p:par>
     </p:tnLst>
+    <p:bldLst>
+      <p:bldP spid="5" grpId="0"/>
+      <p:bldP spid="6" grpId="0"/>
+    </p:bldLst>
   </p:timing>
 </p:sld>
 </file>
@@ -7084,6 +7236,412 @@
     <p:extLst>
       <p:ext uri="{BB962C8B-B14F-4D97-AF65-F5344CB8AC3E}">
         <p14:creationId xmlns:p14="http://schemas.microsoft.com/office/powerpoint/2010/main" val="4285298098"/>
+      </p:ext>
+    </p:extLst>
+  </p:cSld>
+  <p:clrMapOvr>
+    <a:masterClrMapping/>
+  </p:clrMapOvr>
+  <p:timing>
+    <p:tnLst>
+      <p:par>
+        <p:cTn id="1" dur="indefinite" restart="never" nodeType="tmRoot"/>
+      </p:par>
+    </p:tnLst>
+  </p:timing>
+</p:sld>
+</file>
+
+<file path=ppt/slides/slide6.xml><?xml version="1.0" encoding="utf-8"?>
+<p:sld xmlns:a="http://schemas.openxmlformats.org/drawingml/2006/main" xmlns:r="http://schemas.openxmlformats.org/officeDocument/2006/relationships" xmlns:p="http://schemas.openxmlformats.org/presentationml/2006/main">
+  <p:cSld>
+    <p:spTree>
+      <p:nvGrpSpPr>
+        <p:cNvPr id="1" name=""/>
+        <p:cNvGrpSpPr/>
+        <p:nvPr/>
+      </p:nvGrpSpPr>
+      <p:grpSpPr>
+        <a:xfrm>
+          <a:off x="0" y="0"/>
+          <a:ext cx="0" cy="0"/>
+          <a:chOff x="0" y="0"/>
+          <a:chExt cx="0" cy="0"/>
+        </a:xfrm>
+      </p:grpSpPr>
+      <p:sp>
+        <p:nvSpPr>
+          <p:cNvPr id="2" name="Title 1"/>
+          <p:cNvSpPr>
+            <a:spLocks noGrp="1"/>
+          </p:cNvSpPr>
+          <p:nvPr>
+            <p:ph type="title"/>
+          </p:nvPr>
+        </p:nvSpPr>
+        <p:spPr/>
+        <p:txBody>
+          <a:bodyPr/>
+          <a:lstStyle/>
+          <a:p>
+            <a:r>
+              <a:rPr lang="en-US" dirty="0" smtClean="0"/>
+              <a:t>Final Thoughts</a:t>
+            </a:r>
+            <a:endParaRPr lang="en-US" dirty="0"/>
+          </a:p>
+        </p:txBody>
+      </p:sp>
+      <p:sp>
+        <p:nvSpPr>
+          <p:cNvPr id="3" name="Content Placeholder 2"/>
+          <p:cNvSpPr>
+            <a:spLocks noGrp="1"/>
+          </p:cNvSpPr>
+          <p:nvPr>
+            <p:ph idx="1"/>
+          </p:nvPr>
+        </p:nvSpPr>
+        <p:spPr/>
+        <p:txBody>
+          <a:bodyPr numCol="2"/>
+          <a:lstStyle/>
+          <a:p>
+            <a:r>
+              <a:rPr lang="en-US" dirty="0" smtClean="0"/>
+              <a:t>Data Provider:</a:t>
+            </a:r>
+          </a:p>
+          <a:p>
+            <a:pPr lvl="1"/>
+            <a:r>
+              <a:rPr lang="en-US" dirty="0" smtClean="0"/>
+              <a:t>www.adsbexchange.com</a:t>
+            </a:r>
+          </a:p>
+          <a:p>
+            <a:r>
+              <a:rPr lang="en-US" dirty="0" smtClean="0"/>
+              <a:t>Toys:</a:t>
+            </a:r>
+          </a:p>
+          <a:p>
+            <a:pPr lvl="1"/>
+            <a:r>
+              <a:rPr lang="en-US" dirty="0" err="1" smtClean="0"/>
+              <a:t>Jupyter</a:t>
+            </a:r>
+            <a:r>
+              <a:rPr lang="en-US" dirty="0" smtClean="0"/>
+              <a:t> Notebook</a:t>
+            </a:r>
+          </a:p>
+          <a:p>
+            <a:pPr lvl="1"/>
+            <a:r>
+              <a:rPr lang="en-US" dirty="0" smtClean="0"/>
+              <a:t>Pandas</a:t>
+            </a:r>
+          </a:p>
+          <a:p>
+            <a:pPr lvl="2"/>
+            <a:r>
+              <a:rPr lang="en-US" dirty="0" smtClean="0"/>
+              <a:t>HDF5</a:t>
+            </a:r>
+          </a:p>
+          <a:p>
+            <a:pPr lvl="1"/>
+            <a:r>
+              <a:rPr lang="en-US" dirty="0" err="1" smtClean="0"/>
+              <a:t>Bokeh</a:t>
+            </a:r>
+            <a:endParaRPr lang="en-US" dirty="0" smtClean="0"/>
+          </a:p>
+          <a:p>
+            <a:pPr lvl="1"/>
+            <a:r>
+              <a:rPr lang="en-US" dirty="0" err="1" smtClean="0"/>
+              <a:t>Datashader</a:t>
+            </a:r>
+            <a:endParaRPr lang="en-US" dirty="0" smtClean="0"/>
+          </a:p>
+          <a:p>
+            <a:r>
+              <a:rPr lang="en-US" dirty="0" smtClean="0"/>
+              <a:t>Almost Toys:</a:t>
+            </a:r>
+          </a:p>
+          <a:p>
+            <a:pPr lvl="1"/>
+            <a:r>
+              <a:rPr lang="en-US" dirty="0" err="1" smtClean="0"/>
+              <a:t>Holoviews</a:t>
+            </a:r>
+            <a:r>
+              <a:rPr lang="en-US" dirty="0"/>
+              <a:t> </a:t>
+            </a:r>
+            <a:r>
+              <a:rPr lang="en-US" dirty="0" smtClean="0"/>
+              <a:t>/ </a:t>
+            </a:r>
+            <a:r>
+              <a:rPr lang="en-US" dirty="0" err="1" smtClean="0"/>
+              <a:t>Geoviews</a:t>
+            </a:r>
+            <a:endParaRPr lang="en-US" dirty="0" smtClean="0"/>
+          </a:p>
+          <a:p>
+            <a:pPr marL="457200" lvl="1" indent="0">
+              <a:buNone/>
+            </a:pPr>
+            <a:endParaRPr lang="en-US" dirty="0"/>
+          </a:p>
+        </p:txBody>
+      </p:sp>
+      <p:sp>
+        <p:nvSpPr>
+          <p:cNvPr id="4" name="Subtitle 2"/>
+          <p:cNvSpPr txBox="1">
+            <a:spLocks/>
+          </p:cNvSpPr>
+          <p:nvPr/>
+        </p:nvSpPr>
+        <p:spPr>
+          <a:xfrm>
+            <a:off x="2955234" y="5329454"/>
+            <a:ext cx="9144000" cy="1655762"/>
+          </a:xfrm>
+          <a:prstGeom prst="rect">
+            <a:avLst/>
+          </a:prstGeom>
+        </p:spPr>
+        <p:txBody>
+          <a:bodyPr vert="horz" lIns="91440" tIns="45720" rIns="91440" bIns="45720" rtlCol="0">
+            <a:normAutofit/>
+          </a:bodyPr>
+          <a:lstStyle>
+            <a:lvl1pPr marL="228600" indent="-228600" algn="l" defTabSz="914400" rtl="0" eaLnBrk="1" latinLnBrk="0" hangingPunct="1">
+              <a:lnSpc>
+                <a:spcPct val="90000"/>
+              </a:lnSpc>
+              <a:spcBef>
+                <a:spcPts val="1000"/>
+              </a:spcBef>
+              <a:buFont typeface="Arial" panose="020B0604020202020204" pitchFamily="34" charset="0"/>
+              <a:buChar char="•"/>
+              <a:defRPr sz="2800" kern="1200">
+                <a:solidFill>
+                  <a:schemeClr val="tx1"/>
+                </a:solidFill>
+                <a:latin typeface="+mn-lt"/>
+                <a:ea typeface="+mn-ea"/>
+                <a:cs typeface="+mn-cs"/>
+              </a:defRPr>
+            </a:lvl1pPr>
+            <a:lvl2pPr marL="685800" indent="-228600" algn="l" defTabSz="914400" rtl="0" eaLnBrk="1" latinLnBrk="0" hangingPunct="1">
+              <a:lnSpc>
+                <a:spcPct val="90000"/>
+              </a:lnSpc>
+              <a:spcBef>
+                <a:spcPts val="500"/>
+              </a:spcBef>
+              <a:buFont typeface="Arial" panose="020B0604020202020204" pitchFamily="34" charset="0"/>
+              <a:buChar char="•"/>
+              <a:defRPr sz="2400" kern="1200">
+                <a:solidFill>
+                  <a:schemeClr val="tx1"/>
+                </a:solidFill>
+                <a:latin typeface="+mn-lt"/>
+                <a:ea typeface="+mn-ea"/>
+                <a:cs typeface="+mn-cs"/>
+              </a:defRPr>
+            </a:lvl2pPr>
+            <a:lvl3pPr marL="1143000" indent="-228600" algn="l" defTabSz="914400" rtl="0" eaLnBrk="1" latinLnBrk="0" hangingPunct="1">
+              <a:lnSpc>
+                <a:spcPct val="90000"/>
+              </a:lnSpc>
+              <a:spcBef>
+                <a:spcPts val="500"/>
+              </a:spcBef>
+              <a:buFont typeface="Arial" panose="020B0604020202020204" pitchFamily="34" charset="0"/>
+              <a:buChar char="•"/>
+              <a:defRPr sz="2000" kern="1200">
+                <a:solidFill>
+                  <a:schemeClr val="tx1"/>
+                </a:solidFill>
+                <a:latin typeface="+mn-lt"/>
+                <a:ea typeface="+mn-ea"/>
+                <a:cs typeface="+mn-cs"/>
+              </a:defRPr>
+            </a:lvl3pPr>
+            <a:lvl4pPr marL="1600200" indent="-228600" algn="l" defTabSz="914400" rtl="0" eaLnBrk="1" latinLnBrk="0" hangingPunct="1">
+              <a:lnSpc>
+                <a:spcPct val="90000"/>
+              </a:lnSpc>
+              <a:spcBef>
+                <a:spcPts val="500"/>
+              </a:spcBef>
+              <a:buFont typeface="Arial" panose="020B0604020202020204" pitchFamily="34" charset="0"/>
+              <a:buChar char="•"/>
+              <a:defRPr sz="1800" kern="1200">
+                <a:solidFill>
+                  <a:schemeClr val="tx1"/>
+                </a:solidFill>
+                <a:latin typeface="+mn-lt"/>
+                <a:ea typeface="+mn-ea"/>
+                <a:cs typeface="+mn-cs"/>
+              </a:defRPr>
+            </a:lvl4pPr>
+            <a:lvl5pPr marL="2057400" indent="-228600" algn="l" defTabSz="914400" rtl="0" eaLnBrk="1" latinLnBrk="0" hangingPunct="1">
+              <a:lnSpc>
+                <a:spcPct val="90000"/>
+              </a:lnSpc>
+              <a:spcBef>
+                <a:spcPts val="500"/>
+              </a:spcBef>
+              <a:buFont typeface="Arial" panose="020B0604020202020204" pitchFamily="34" charset="0"/>
+              <a:buChar char="•"/>
+              <a:defRPr sz="1800" kern="1200">
+                <a:solidFill>
+                  <a:schemeClr val="tx1"/>
+                </a:solidFill>
+                <a:latin typeface="+mn-lt"/>
+                <a:ea typeface="+mn-ea"/>
+                <a:cs typeface="+mn-cs"/>
+              </a:defRPr>
+            </a:lvl5pPr>
+            <a:lvl6pPr marL="2514600" indent="-228600" algn="l" defTabSz="914400" rtl="0" eaLnBrk="1" latinLnBrk="0" hangingPunct="1">
+              <a:lnSpc>
+                <a:spcPct val="90000"/>
+              </a:lnSpc>
+              <a:spcBef>
+                <a:spcPts val="500"/>
+              </a:spcBef>
+              <a:buFont typeface="Arial" panose="020B0604020202020204" pitchFamily="34" charset="0"/>
+              <a:buChar char="•"/>
+              <a:defRPr sz="1800" kern="1200">
+                <a:solidFill>
+                  <a:schemeClr val="tx1"/>
+                </a:solidFill>
+                <a:latin typeface="+mn-lt"/>
+                <a:ea typeface="+mn-ea"/>
+                <a:cs typeface="+mn-cs"/>
+              </a:defRPr>
+            </a:lvl6pPr>
+            <a:lvl7pPr marL="2971800" indent="-228600" algn="l" defTabSz="914400" rtl="0" eaLnBrk="1" latinLnBrk="0" hangingPunct="1">
+              <a:lnSpc>
+                <a:spcPct val="90000"/>
+              </a:lnSpc>
+              <a:spcBef>
+                <a:spcPts val="500"/>
+              </a:spcBef>
+              <a:buFont typeface="Arial" panose="020B0604020202020204" pitchFamily="34" charset="0"/>
+              <a:buChar char="•"/>
+              <a:defRPr sz="1800" kern="1200">
+                <a:solidFill>
+                  <a:schemeClr val="tx1"/>
+                </a:solidFill>
+                <a:latin typeface="+mn-lt"/>
+                <a:ea typeface="+mn-ea"/>
+                <a:cs typeface="+mn-cs"/>
+              </a:defRPr>
+            </a:lvl7pPr>
+            <a:lvl8pPr marL="3429000" indent="-228600" algn="l" defTabSz="914400" rtl="0" eaLnBrk="1" latinLnBrk="0" hangingPunct="1">
+              <a:lnSpc>
+                <a:spcPct val="90000"/>
+              </a:lnSpc>
+              <a:spcBef>
+                <a:spcPts val="500"/>
+              </a:spcBef>
+              <a:buFont typeface="Arial" panose="020B0604020202020204" pitchFamily="34" charset="0"/>
+              <a:buChar char="•"/>
+              <a:defRPr sz="1800" kern="1200">
+                <a:solidFill>
+                  <a:schemeClr val="tx1"/>
+                </a:solidFill>
+                <a:latin typeface="+mn-lt"/>
+                <a:ea typeface="+mn-ea"/>
+                <a:cs typeface="+mn-cs"/>
+              </a:defRPr>
+            </a:lvl8pPr>
+            <a:lvl9pPr marL="3886200" indent="-228600" algn="l" defTabSz="914400" rtl="0" eaLnBrk="1" latinLnBrk="0" hangingPunct="1">
+              <a:lnSpc>
+                <a:spcPct val="90000"/>
+              </a:lnSpc>
+              <a:spcBef>
+                <a:spcPts val="500"/>
+              </a:spcBef>
+              <a:buFont typeface="Arial" panose="020B0604020202020204" pitchFamily="34" charset="0"/>
+              <a:buChar char="•"/>
+              <a:defRPr sz="1800" kern="1200">
+                <a:solidFill>
+                  <a:schemeClr val="tx1"/>
+                </a:solidFill>
+                <a:latin typeface="+mn-lt"/>
+                <a:ea typeface="+mn-ea"/>
+                <a:cs typeface="+mn-cs"/>
+              </a:defRPr>
+            </a:lvl9pPr>
+          </a:lstStyle>
+          <a:p>
+            <a:pPr marL="0" indent="0" algn="r">
+              <a:lnSpc>
+                <a:spcPct val="100000"/>
+              </a:lnSpc>
+              <a:spcBef>
+                <a:spcPts val="300"/>
+              </a:spcBef>
+              <a:buNone/>
+            </a:pPr>
+            <a:r>
+              <a:rPr lang="en-US" dirty="0" smtClean="0"/>
+              <a:t>Luke Starnes</a:t>
+            </a:r>
+          </a:p>
+          <a:p>
+            <a:pPr marL="0" indent="0" algn="r">
+              <a:lnSpc>
+                <a:spcPct val="100000"/>
+              </a:lnSpc>
+              <a:spcBef>
+                <a:spcPts val="300"/>
+              </a:spcBef>
+              <a:buNone/>
+            </a:pPr>
+            <a:r>
+              <a:rPr lang="en-US" dirty="0" smtClean="0"/>
+              <a:t>@</a:t>
+            </a:r>
+            <a:r>
+              <a:rPr lang="en-US" dirty="0" err="1" smtClean="0"/>
+              <a:t>slstarnes</a:t>
+            </a:r>
+            <a:endParaRPr lang="en-US" dirty="0" smtClean="0"/>
+          </a:p>
+          <a:p>
+            <a:pPr marL="0" indent="0" algn="r">
+              <a:lnSpc>
+                <a:spcPct val="100000"/>
+              </a:lnSpc>
+              <a:spcBef>
+                <a:spcPts val="300"/>
+              </a:spcBef>
+              <a:buNone/>
+            </a:pPr>
+            <a:r>
+              <a:rPr lang="en-US" dirty="0" smtClean="0"/>
+              <a:t>lstarnes.com</a:t>
+            </a:r>
+            <a:endParaRPr lang="en-US" dirty="0"/>
+          </a:p>
+        </p:txBody>
+      </p:sp>
+    </p:spTree>
+    <p:extLst>
+      <p:ext uri="{BB962C8B-B14F-4D97-AF65-F5344CB8AC3E}">
+        <p14:creationId xmlns:p14="http://schemas.microsoft.com/office/powerpoint/2010/main" val="4190834875"/>
       </p:ext>
     </p:extLst>
   </p:cSld>
